--- a/TC27.pptx
+++ b/TC27.pptx
@@ -3133,6 +3133,14 @@
           <a:bodyPr/>
           <a:lstStyle/>
           <a:p>
+            <a:r>
+              <a:rPr lang="en-US" dirty="0" smtClean="0"/>
+              <a:t>This is the </a:t>
+            </a:r>
+            <a:r>
+              <a:rPr lang="en-US" smtClean="0"/>
+              <a:t>first revision</a:t>
+            </a:r>
             <a:endParaRPr lang="en-US"/>
           </a:p>
         </p:txBody>
